--- a/dmanolov/Информатика, курс Създаване на игри (HTML, CSS, JS, P5, Processing)/05.Параметри на играта и героя.pptx
+++ b/dmanolov/Информатика, курс Създаване на игри (HTML, CSS, JS, P5, Processing)/05.Параметри на играта и героя.pptx
@@ -306,7 +306,7 @@
           <a:p>
             <a:fld id="{6AD6EE87-EBD5-4F12-A48A-63ACA297AC8F}" type="datetimeFigureOut">
               <a:rPr lang="en-US" smtClean="0"/>
-              <a:t>11/17/2020</a:t>
+              <a:t>11/18/2020</a:t>
             </a:fld>
             <a:endParaRPr lang="en-US" dirty="0"/>
           </a:p>
@@ -580,7 +580,7 @@
           <a:p>
             <a:fld id="{90298CD5-6C1E-4009-B41F-6DF62E31D3BE}" type="datetimeFigureOut">
               <a:rPr lang="en-US" smtClean="0"/>
-              <a:t>11/17/2020</a:t>
+              <a:t>11/18/2020</a:t>
             </a:fld>
             <a:endParaRPr lang="en-US" dirty="0"/>
           </a:p>
@@ -769,7 +769,7 @@
           <a:p>
             <a:fld id="{90298CD5-6C1E-4009-B41F-6DF62E31D3BE}" type="datetimeFigureOut">
               <a:rPr lang="en-US" smtClean="0"/>
-              <a:t>11/17/2020</a:t>
+              <a:t>11/18/2020</a:t>
             </a:fld>
             <a:endParaRPr lang="en-US" dirty="0"/>
           </a:p>
@@ -1037,7 +1037,7 @@
           <a:p>
             <a:fld id="{90298CD5-6C1E-4009-B41F-6DF62E31D3BE}" type="datetimeFigureOut">
               <a:rPr lang="en-US" smtClean="0"/>
-              <a:t>11/17/2020</a:t>
+              <a:t>11/18/2020</a:t>
             </a:fld>
             <a:endParaRPr lang="en-US" dirty="0"/>
           </a:p>
@@ -1373,7 +1373,7 @@
           <a:p>
             <a:fld id="{90298CD5-6C1E-4009-B41F-6DF62E31D3BE}" type="datetimeFigureOut">
               <a:rPr lang="en-US" smtClean="0"/>
-              <a:t>11/17/2020</a:t>
+              <a:t>11/18/2020</a:t>
             </a:fld>
             <a:endParaRPr lang="en-US" dirty="0"/>
           </a:p>
@@ -1991,7 +1991,7 @@
           <a:p>
             <a:fld id="{90298CD5-6C1E-4009-B41F-6DF62E31D3BE}" type="datetimeFigureOut">
               <a:rPr lang="en-US" smtClean="0"/>
-              <a:t>11/17/2020</a:t>
+              <a:t>11/18/2020</a:t>
             </a:fld>
             <a:endParaRPr lang="en-US" dirty="0"/>
           </a:p>
@@ -2846,7 +2846,7 @@
           <a:p>
             <a:fld id="{90298CD5-6C1E-4009-B41F-6DF62E31D3BE}" type="datetimeFigureOut">
               <a:rPr lang="en-US" smtClean="0"/>
-              <a:t>11/17/2020</a:t>
+              <a:t>11/18/2020</a:t>
             </a:fld>
             <a:endParaRPr lang="en-US" dirty="0"/>
           </a:p>
@@ -3011,7 +3011,7 @@
           <a:p>
             <a:fld id="{4CD73815-2707-4475-8F1A-B873CB631BB4}" type="datetimeFigureOut">
               <a:rPr lang="en-US" smtClean="0"/>
-              <a:t>11/17/2020</a:t>
+              <a:t>11/18/2020</a:t>
             </a:fld>
             <a:endParaRPr lang="en-US" dirty="0"/>
           </a:p>
@@ -3186,7 +3186,7 @@
           <a:p>
             <a:fld id="{2A4AFB99-0EAB-4182-AFF8-E214C82A68F6}" type="datetimeFigureOut">
               <a:rPr lang="en-US" smtClean="0"/>
-              <a:t>11/17/2020</a:t>
+              <a:t>11/18/2020</a:t>
             </a:fld>
             <a:endParaRPr lang="en-US" dirty="0"/>
           </a:p>
@@ -3351,7 +3351,7 @@
           <a:p>
             <a:fld id="{A5D3794B-289A-4A80-97D7-111025398D45}" type="datetimeFigureOut">
               <a:rPr lang="en-US" smtClean="0"/>
-              <a:t>11/17/2020</a:t>
+              <a:t>11/18/2020</a:t>
             </a:fld>
             <a:endParaRPr lang="en-US" dirty="0"/>
           </a:p>
@@ -3603,7 +3603,7 @@
           <a:p>
             <a:fld id="{5A61015F-7CC6-4D0A-9D87-873EA4C304CC}" type="datetimeFigureOut">
               <a:rPr lang="en-US" smtClean="0"/>
-              <a:t>11/17/2020</a:t>
+              <a:t>11/18/2020</a:t>
             </a:fld>
             <a:endParaRPr lang="en-US" dirty="0"/>
           </a:p>
@@ -3890,7 +3890,7 @@
           <a:p>
             <a:fld id="{93C6A301-0538-44EC-B09D-202E1042A48B}" type="datetimeFigureOut">
               <a:rPr lang="en-US" smtClean="0"/>
-              <a:t>11/17/2020</a:t>
+              <a:t>11/18/2020</a:t>
             </a:fld>
             <a:endParaRPr lang="en-US" dirty="0"/>
           </a:p>
@@ -4329,7 +4329,7 @@
           <a:p>
             <a:fld id="{D789574A-8875-45EF-8EA2-3CAA0F7ABC4C}" type="datetimeFigureOut">
               <a:rPr lang="en-US" smtClean="0"/>
-              <a:t>11/17/2020</a:t>
+              <a:t>11/18/2020</a:t>
             </a:fld>
             <a:endParaRPr lang="en-US" dirty="0"/>
           </a:p>
@@ -4442,7 +4442,7 @@
           <a:p>
             <a:fld id="{67EF4D4C-5367-4C26-9E2B-D8088D7FCA81}" type="datetimeFigureOut">
               <a:rPr lang="en-US" smtClean="0"/>
-              <a:t>11/17/2020</a:t>
+              <a:t>11/18/2020</a:t>
             </a:fld>
             <a:endParaRPr lang="en-US" dirty="0"/>
           </a:p>
@@ -4532,7 +4532,7 @@
           <a:p>
             <a:fld id="{56E91E96-98B0-4413-9547-46F3504108EF}" type="datetimeFigureOut">
               <a:rPr lang="en-US" smtClean="0"/>
-              <a:t>11/17/2020</a:t>
+              <a:t>11/18/2020</a:t>
             </a:fld>
             <a:endParaRPr lang="en-US" dirty="0"/>
           </a:p>
@@ -4806,7 +4806,7 @@
           <a:p>
             <a:fld id="{05C68B11-C5A8-448C-8CE9-B1A273C79CFC}" type="datetimeFigureOut">
               <a:rPr lang="en-US" smtClean="0"/>
-              <a:t>11/17/2020</a:t>
+              <a:t>11/18/2020</a:t>
             </a:fld>
             <a:endParaRPr lang="en-US" dirty="0"/>
           </a:p>
@@ -5076,7 +5076,7 @@
           <a:p>
             <a:fld id="{C7616CA0-919D-4A49-9C8A-62FDFB3A5183}" type="datetimeFigureOut">
               <a:rPr lang="en-US" smtClean="0"/>
-              <a:t>11/17/2020</a:t>
+              <a:t>11/18/2020</a:t>
             </a:fld>
             <a:endParaRPr lang="en-US" dirty="0"/>
           </a:p>
@@ -5511,7 +5511,7 @@
           <a:p>
             <a:fld id="{90298CD5-6C1E-4009-B41F-6DF62E31D3BE}" type="datetimeFigureOut">
               <a:rPr lang="en-US" smtClean="0"/>
-              <a:t>11/17/2020</a:t>
+              <a:t>11/18/2020</a:t>
             </a:fld>
             <a:endParaRPr lang="en-US" dirty="0"/>
           </a:p>
@@ -6056,24 +6056,8 @@
           <a:p>
             <a:pPr algn="r"/>
             <a:r>
-              <a:rPr lang="ru-RU" dirty="0" err="1" smtClean="0"/>
-              <a:t>Параметри</a:t>
-            </a:r>
-            <a:r>
-              <a:rPr lang="ru-RU" dirty="0" smtClean="0"/>
-              <a:t> </a:t>
-            </a:r>
-            <a:r>
-              <a:rPr lang="ru-RU" dirty="0"/>
-              <a:t>на </a:t>
-            </a:r>
-            <a:r>
-              <a:rPr lang="ru-RU" dirty="0" err="1"/>
-              <a:t>играта</a:t>
-            </a:r>
-            <a:r>
-              <a:rPr lang="ru-RU" dirty="0"/>
-              <a:t> и героя</a:t>
+              <a:rPr lang="bg-BG" dirty="0" smtClean="0"/>
+              <a:t>Параметри на играта и героя</a:t>
             </a:r>
             <a:endParaRPr lang="bg-BG" b="1" dirty="0">
               <a:solidFill>
@@ -6108,11 +6092,7 @@
             <a:pPr algn="r"/>
             <a:r>
               <a:rPr lang="bg-BG" dirty="0" smtClean="0"/>
-              <a:t>Ниво </a:t>
-            </a:r>
-            <a:r>
-              <a:rPr lang="bg-BG" dirty="0" smtClean="0"/>
-              <a:t>05:</a:t>
+              <a:t>Ниво 05:</a:t>
             </a:r>
             <a:endParaRPr lang="bg-BG" dirty="0"/>
           </a:p>
@@ -6191,11 +6171,7 @@
             <a:pPr fontAlgn="base"/>
             <a:r>
               <a:rPr lang="bg-BG" dirty="0" smtClean="0"/>
-              <a:t>да </a:t>
-            </a:r>
-            <a:r>
-              <a:rPr lang="bg-BG" dirty="0" smtClean="0"/>
-              <a:t>създадем </a:t>
+              <a:t>да създадем </a:t>
             </a:r>
             <a:r>
               <a:rPr lang="bg-BG" dirty="0" smtClean="0">
@@ -6260,7 +6236,6 @@
               <a:rPr lang="bg-BG" noProof="0" dirty="0" smtClean="0"/>
               <a:t> в играта</a:t>
             </a:r>
-            <a:endParaRPr lang="bg-BG" noProof="0" dirty="0" smtClean="0"/>
           </a:p>
           <a:p>
             <a:pPr lvl="1" fontAlgn="base"/>
@@ -6358,7 +6333,6 @@
               <a:rPr lang="bg-BG" noProof="0" dirty="0" smtClean="0"/>
               <a:t>и техните:</a:t>
             </a:r>
-            <a:endParaRPr lang="bg-BG" noProof="0" dirty="0" smtClean="0"/>
           </a:p>
           <a:p>
             <a:pPr lvl="1" fontAlgn="base"/>
@@ -6487,7 +6461,6 @@
               <a:rPr lang="bg-BG" dirty="0" smtClean="0"/>
               <a:t>позволяват да съберем на едно място логически свързани данни и процедури за обработката им</a:t>
             </a:r>
-            <a:endParaRPr lang="bg-BG" dirty="0" smtClean="0"/>
           </a:p>
           <a:p>
             <a:pPr fontAlgn="base"/>
@@ -6630,15 +6603,15 @@
         </p:spPr>
         <p:style>
           <a:lnRef idx="2">
-            <a:schemeClr val="accent5">
+            <a:schemeClr val="accent6">
               <a:shade val="50000"/>
             </a:schemeClr>
           </a:lnRef>
           <a:fillRef idx="1">
-            <a:schemeClr val="accent5"/>
+            <a:schemeClr val="accent6"/>
           </a:fillRef>
           <a:effectRef idx="0">
-            <a:schemeClr val="accent5"/>
+            <a:schemeClr val="accent6"/>
           </a:effectRef>
           <a:fontRef idx="minor">
             <a:schemeClr val="lt1"/>
@@ -8038,15 +8011,15 @@
         </p:spPr>
         <p:style>
           <a:lnRef idx="2">
-            <a:schemeClr val="accent5">
+            <a:schemeClr val="accent6">
               <a:shade val="50000"/>
             </a:schemeClr>
           </a:lnRef>
           <a:fillRef idx="1">
-            <a:schemeClr val="accent5"/>
+            <a:schemeClr val="accent6"/>
           </a:fillRef>
           <a:effectRef idx="0">
-            <a:schemeClr val="accent5"/>
+            <a:schemeClr val="accent6"/>
           </a:effectRef>
           <a:fontRef idx="minor">
             <a:schemeClr val="lt1"/>
@@ -8696,8 +8669,12 @@
               <a:t>Отворете си </a:t>
             </a:r>
             <a:r>
+              <a:rPr lang="arn-CL" dirty="0"/>
+              <a:t>sketch</a:t>
+            </a:r>
+            <a:r>
               <a:rPr lang="en-US" dirty="0" smtClean="0"/>
-              <a:t>scratch </a:t>
+              <a:t> </a:t>
             </a:r>
             <a:r>
               <a:rPr lang="en-US" dirty="0" smtClean="0">
@@ -8757,11 +8734,6 @@
               </a:rPr>
               <a:t>Обекти</a:t>
             </a:r>
-            <a:endParaRPr lang="bg-BG" dirty="0" smtClean="0">
-              <a:solidFill>
-                <a:schemeClr val="accent2"/>
-              </a:solidFill>
-            </a:endParaRPr>
           </a:p>
           <a:p>
             <a:pPr marL="514350" indent="-514350" fontAlgn="base">
@@ -8808,7 +8780,6 @@
               <a:rPr lang="bg-BG" dirty="0" smtClean="0"/>
               <a:t>и техните свойства</a:t>
             </a:r>
-            <a:endParaRPr lang="bg-BG" dirty="0" smtClean="0"/>
           </a:p>
           <a:p>
             <a:pPr marL="914400" lvl="1" indent="-514350" fontAlgn="base"/>
@@ -8848,23 +8819,15 @@
             </a:pPr>
             <a:r>
               <a:rPr lang="bg-BG" dirty="0" smtClean="0"/>
-              <a:t>Добавете </a:t>
+              <a:t>Добавете като методи на </a:t>
             </a:r>
             <a:r>
               <a:rPr lang="bg-BG" dirty="0" smtClean="0"/>
-              <a:t>като методи на обекта и функциите</a:t>
+              <a:t>обекта </a:t>
             </a:r>
             <a:r>
               <a:rPr lang="bg-BG" dirty="0" smtClean="0"/>
-              <a:t>, които </a:t>
-            </a:r>
-            <a:r>
-              <a:rPr lang="bg-BG" dirty="0" smtClean="0"/>
-              <a:t>ще </a:t>
-            </a:r>
-            <a:r>
-              <a:rPr lang="bg-BG" dirty="0" smtClean="0"/>
-              <a:t>ползвате в играта си</a:t>
+              <a:t>функциите, които ще ползвате в играта си</a:t>
             </a:r>
           </a:p>
         </p:txBody>
@@ -9280,22 +9243,10 @@
           <a:p>
             <a:pPr fontAlgn="base"/>
             <a:r>
-              <a:rPr lang="ru-RU" sz="2000" dirty="0" err="1" smtClean="0">
+              <a:rPr lang="bg-BG" sz="2000" dirty="0" smtClean="0">
                 <a:hlinkClick r:id="rId4"/>
               </a:rPr>
-              <a:t>Обект</a:t>
-            </a:r>
-            <a:r>
-              <a:rPr lang="ru-RU" sz="2000" dirty="0" smtClean="0">
-                <a:hlinkClick r:id="rId4"/>
-              </a:rPr>
-              <a:t> за героя и </a:t>
-            </a:r>
-            <a:r>
-              <a:rPr lang="ru-RU" sz="2000" dirty="0" err="1" smtClean="0">
-                <a:hlinkClick r:id="rId4"/>
-              </a:rPr>
-              <a:t>играта</a:t>
+              <a:t>Обект за героя и играта</a:t>
             </a:r>
             <a:endParaRPr lang="bg-BG" sz="2000" dirty="0" smtClean="0"/>
           </a:p>
